--- a/Promopic.pptx
+++ b/Promopic.pptx
@@ -166,7 +166,7 @@
           <a:bodyPr/>
           <a:lstStyle/>
           <a:p>
-            <a:fld id="{81C81640-9E44-4539-A016-1FFF0DB22E25}" type="datetimeFigureOut">
+            <a:fld id="{D27BECB7-0A0E-4887-B5EC-7FE88052B7A0}" type="datetimeFigureOut">
               <a:rPr lang="en-US" smtClean="0"/>
               <a:t>3/2/2020</a:t>
             </a:fld>
@@ -208,7 +208,7 @@
           <a:bodyPr/>
           <a:lstStyle/>
           <a:p>
-            <a:fld id="{4130F0AC-5A4A-4F9B-9D62-943F463BE854}" type="slidenum">
+            <a:fld id="{0C79B1DF-A58A-42FF-89FB-C7AFFD2CEB55}" type="slidenum">
               <a:rPr lang="en-US" smtClean="0"/>
               <a:t>‹#›</a:t>
             </a:fld>
@@ -219,7 +219,7 @@
     </p:spTree>
     <p:extLst>
       <p:ext uri="{BB962C8B-B14F-4D97-AF65-F5344CB8AC3E}">
-        <p14:creationId xmlns:p14="http://schemas.microsoft.com/office/powerpoint/2010/main" val="1574813023"/>
+        <p14:creationId xmlns:p14="http://schemas.microsoft.com/office/powerpoint/2010/main" val="4202714723"/>
       </p:ext>
     </p:extLst>
   </p:cSld>
@@ -379,7 +379,7 @@
             </a:lvl1pPr>
           </a:lstStyle>
           <a:p>
-            <a:fld id="{81C81640-9E44-4539-A016-1FFF0DB22E25}" type="datetimeFigureOut">
+            <a:fld id="{D27BECB7-0A0E-4887-B5EC-7FE88052B7A0}" type="datetimeFigureOut">
               <a:rPr lang="en-US" smtClean="0"/>
               <a:t>3/2/2020</a:t>
             </a:fld>
@@ -457,7 +457,7 @@
             </a:lvl1pPr>
           </a:lstStyle>
           <a:p>
-            <a:fld id="{4130F0AC-5A4A-4F9B-9D62-943F463BE854}" type="slidenum">
+            <a:fld id="{0C79B1DF-A58A-42FF-89FB-C7AFFD2CEB55}" type="slidenum">
               <a:rPr lang="en-US" smtClean="0"/>
               <a:t>‹#›</a:t>
             </a:fld>
@@ -468,7 +468,7 @@
     </p:spTree>
     <p:extLst>
       <p:ext uri="{BB962C8B-B14F-4D97-AF65-F5344CB8AC3E}">
-        <p14:creationId xmlns:p14="http://schemas.microsoft.com/office/powerpoint/2010/main" val="3098670888"/>
+        <p14:creationId xmlns:p14="http://schemas.microsoft.com/office/powerpoint/2010/main" val="3245258844"/>
       </p:ext>
     </p:extLst>
   </p:cSld>
@@ -870,7 +870,7 @@
     </p:spTree>
     <p:extLst>
       <p:ext uri="{BB962C8B-B14F-4D97-AF65-F5344CB8AC3E}">
-        <p14:creationId xmlns:p14="http://schemas.microsoft.com/office/powerpoint/2010/main" val="2295820400"/>
+        <p14:creationId xmlns:p14="http://schemas.microsoft.com/office/powerpoint/2010/main" val="592730960"/>
       </p:ext>
     </p:extLst>
   </p:cSld>
@@ -947,7 +947,7 @@
     </p:spTree>
     <p:extLst>
       <p:ext uri="{BB962C8B-B14F-4D97-AF65-F5344CB8AC3E}">
-        <p14:creationId xmlns:p14="http://schemas.microsoft.com/office/powerpoint/2010/main" val="1980079017"/>
+        <p14:creationId xmlns:p14="http://schemas.microsoft.com/office/powerpoint/2010/main" val="4012621722"/>
       </p:ext>
     </p:extLst>
   </p:cSld>
@@ -1024,7 +1024,7 @@
     </p:spTree>
     <p:extLst>
       <p:ext uri="{BB962C8B-B14F-4D97-AF65-F5344CB8AC3E}">
-        <p14:creationId xmlns:p14="http://schemas.microsoft.com/office/powerpoint/2010/main" val="2101667475"/>
+        <p14:creationId xmlns:p14="http://schemas.microsoft.com/office/powerpoint/2010/main" val="1180324622"/>
       </p:ext>
     </p:extLst>
   </p:cSld>
@@ -1121,7 +1121,7 @@
     </p:spTree>
     <p:extLst>
       <p:ext uri="{BB962C8B-B14F-4D97-AF65-F5344CB8AC3E}">
-        <p14:creationId xmlns:p14="http://schemas.microsoft.com/office/powerpoint/2010/main" val="485396181"/>
+        <p14:creationId xmlns:p14="http://schemas.microsoft.com/office/powerpoint/2010/main" val="444410231"/>
       </p:ext>
     </p:extLst>
   </p:cSld>
@@ -1203,7 +1203,7 @@
     </p:spTree>
     <p:extLst>
       <p:ext uri="{BB962C8B-B14F-4D97-AF65-F5344CB8AC3E}">
-        <p14:creationId xmlns:p14="http://schemas.microsoft.com/office/powerpoint/2010/main" val="1795958793"/>
+        <p14:creationId xmlns:p14="http://schemas.microsoft.com/office/powerpoint/2010/main" val="2974738609"/>
       </p:ext>
     </p:extLst>
   </p:cSld>

--- a/Promopic.pptx
+++ b/Promopic.pptx
@@ -10,6 +10,7 @@
     <p:sldId id="258" r:id="rId4"/>
     <p:sldId id="259" r:id="rId5"/>
     <p:sldId id="260" r:id="rId6"/>
+    <p:sldId id="261" r:id="rId7"/>
   </p:sldIdLst>
   <p:sldSz cx="12192000" cy="6858000"/>
   <p:notesSz cx="6858000" cy="9144000"/>
@@ -166,9 +167,9 @@
           <a:bodyPr/>
           <a:lstStyle/>
           <a:p>
-            <a:fld id="{D27BECB7-0A0E-4887-B5EC-7FE88052B7A0}" type="datetimeFigureOut">
+            <a:fld id="{2296FB09-E5BA-45E1-9938-68F5FEAD5A8B}" type="datetimeFigureOut">
               <a:rPr lang="en-US" smtClean="0"/>
-              <a:t>3/2/2020</a:t>
+              <a:t>3/7/2020</a:t>
             </a:fld>
             <a:endParaRPr lang="en-US"/>
           </a:p>
@@ -208,7 +209,7 @@
           <a:bodyPr/>
           <a:lstStyle/>
           <a:p>
-            <a:fld id="{0C79B1DF-A58A-42FF-89FB-C7AFFD2CEB55}" type="slidenum">
+            <a:fld id="{89960EA1-8D9F-4FF7-A696-DEE328DD5A1C}" type="slidenum">
               <a:rPr lang="en-US" smtClean="0"/>
               <a:t>‹#›</a:t>
             </a:fld>
@@ -219,7 +220,7 @@
     </p:spTree>
     <p:extLst>
       <p:ext uri="{BB962C8B-B14F-4D97-AF65-F5344CB8AC3E}">
-        <p14:creationId xmlns:p14="http://schemas.microsoft.com/office/powerpoint/2010/main" val="4202714723"/>
+        <p14:creationId xmlns:p14="http://schemas.microsoft.com/office/powerpoint/2010/main" val="2519293308"/>
       </p:ext>
     </p:extLst>
   </p:cSld>
@@ -379,9 +380,9 @@
             </a:lvl1pPr>
           </a:lstStyle>
           <a:p>
-            <a:fld id="{D27BECB7-0A0E-4887-B5EC-7FE88052B7A0}" type="datetimeFigureOut">
+            <a:fld id="{2296FB09-E5BA-45E1-9938-68F5FEAD5A8B}" type="datetimeFigureOut">
               <a:rPr lang="en-US" smtClean="0"/>
-              <a:t>3/2/2020</a:t>
+              <a:t>3/7/2020</a:t>
             </a:fld>
             <a:endParaRPr lang="en-US"/>
           </a:p>
@@ -457,7 +458,7 @@
             </a:lvl1pPr>
           </a:lstStyle>
           <a:p>
-            <a:fld id="{0C79B1DF-A58A-42FF-89FB-C7AFFD2CEB55}" type="slidenum">
+            <a:fld id="{89960EA1-8D9F-4FF7-A696-DEE328DD5A1C}" type="slidenum">
               <a:rPr lang="en-US" smtClean="0"/>
               <a:t>‹#›</a:t>
             </a:fld>
@@ -468,7 +469,7 @@
     </p:spTree>
     <p:extLst>
       <p:ext uri="{BB962C8B-B14F-4D97-AF65-F5344CB8AC3E}">
-        <p14:creationId xmlns:p14="http://schemas.microsoft.com/office/powerpoint/2010/main" val="3245258844"/>
+        <p14:creationId xmlns:p14="http://schemas.microsoft.com/office/powerpoint/2010/main" val="4099588035"/>
       </p:ext>
     </p:extLst>
   </p:cSld>
@@ -870,7 +871,7 @@
     </p:spTree>
     <p:extLst>
       <p:ext uri="{BB962C8B-B14F-4D97-AF65-F5344CB8AC3E}">
-        <p14:creationId xmlns:p14="http://schemas.microsoft.com/office/powerpoint/2010/main" val="592730960"/>
+        <p14:creationId xmlns:p14="http://schemas.microsoft.com/office/powerpoint/2010/main" val="4078677439"/>
       </p:ext>
     </p:extLst>
   </p:cSld>
@@ -947,7 +948,7 @@
     </p:spTree>
     <p:extLst>
       <p:ext uri="{BB962C8B-B14F-4D97-AF65-F5344CB8AC3E}">
-        <p14:creationId xmlns:p14="http://schemas.microsoft.com/office/powerpoint/2010/main" val="4012621722"/>
+        <p14:creationId xmlns:p14="http://schemas.microsoft.com/office/powerpoint/2010/main" val="3615034243"/>
       </p:ext>
     </p:extLst>
   </p:cSld>
@@ -958,7 +959,7 @@
 </file>
 
 <file path=ppt/slides/slide3.xml><?xml version="1.0" encoding="utf-8"?>
-<p:sld xmlns:a="http://schemas.openxmlformats.org/drawingml/2006/main" xmlns:r="http://schemas.openxmlformats.org/officeDocument/2006/relationships" xmlns:p="http://schemas.openxmlformats.org/presentationml/2006/main" show="0">
+<p:sld xmlns:a="http://schemas.openxmlformats.org/drawingml/2006/main" xmlns:r="http://schemas.openxmlformats.org/officeDocument/2006/relationships" xmlns:p="http://schemas.openxmlformats.org/presentationml/2006/main">
   <p:cSld>
     <p:bg>
       <p:bgPr>
@@ -995,7 +996,42 @@
           <a:bodyPr/>
           <a:lstStyle/>
           <a:p>
-            <a:endParaRPr lang="en-US"/>
+            <a:r>
+              <a:rPr lang="en-US" sz="2700" smtClean="0">
+                <a:solidFill>
+                  <a:schemeClr val="bg1"/>
+                </a:solidFill>
+              </a:rPr>
+              <a:t>THE</a:t>
+            </a:r>
+            <a:r>
+              <a:rPr lang="en-US" sz="2400" smtClean="0">
+                <a:solidFill>
+                  <a:schemeClr val="bg1"/>
+                </a:solidFill>
+              </a:rPr>
+              <a:t/>
+            </a:r>
+            <a:br>
+              <a:rPr lang="en-US" sz="2400" smtClean="0">
+                <a:solidFill>
+                  <a:schemeClr val="bg1"/>
+                </a:solidFill>
+              </a:rPr>
+            </a:br>
+            <a:r>
+              <a:rPr lang="en-US" sz="7300" smtClean="0">
+                <a:solidFill>
+                  <a:schemeClr val="bg1"/>
+                </a:solidFill>
+              </a:rPr>
+              <a:t>IDEA</a:t>
+            </a:r>
+            <a:endParaRPr lang="en-US" sz="2400" dirty="0">
+              <a:solidFill>
+                <a:schemeClr val="bg1"/>
+              </a:solidFill>
+            </a:endParaRPr>
           </a:p>
         </p:txBody>
       </p:sp>
@@ -1024,21 +1060,13 @@
     </p:spTree>
     <p:extLst>
       <p:ext uri="{BB962C8B-B14F-4D97-AF65-F5344CB8AC3E}">
-        <p14:creationId xmlns:p14="http://schemas.microsoft.com/office/powerpoint/2010/main" val="1180324622"/>
+        <p14:creationId xmlns:p14="http://schemas.microsoft.com/office/powerpoint/2010/main" val="554060980"/>
       </p:ext>
     </p:extLst>
   </p:cSld>
   <p:clrMapOvr>
     <a:masterClrMapping/>
   </p:clrMapOvr>
-  <mc:AlternateContent xmlns:mc="http://schemas.openxmlformats.org/markup-compatibility/2006" xmlns:p14="http://schemas.microsoft.com/office/powerpoint/2010/main">
-    <mc:Choice Requires="p14">
-      <p:transition spd="slow" p14:dur="2000"/>
-    </mc:Choice>
-    <mc:Fallback xmlns="">
-      <p:transition spd="slow"/>
-    </mc:Fallback>
-  </mc:AlternateContent>
 </p:sld>
 </file>
 
@@ -1081,12 +1109,35 @@
           <a:lstStyle/>
           <a:p>
             <a:r>
+              <a:rPr lang="en-US" sz="2400" smtClean="0">
+                <a:solidFill>
+                  <a:srgbClr val="3E4854"/>
+                </a:solidFill>
+              </a:rPr>
+              <a:t>THE</a:t>
+            </a:r>
+            <a:r>
               <a:rPr lang="en-US" sz="6000" smtClean="0">
                 <a:solidFill>
                   <a:srgbClr val="3E4854"/>
                 </a:solidFill>
               </a:rPr>
-              <a:t>WHAT IT IS</a:t>
+              <a:t/>
+            </a:r>
+            <a:br>
+              <a:rPr lang="en-US" sz="6000" smtClean="0">
+                <a:solidFill>
+                  <a:srgbClr val="3E4854"/>
+                </a:solidFill>
+              </a:rPr>
+            </a:br>
+            <a:r>
+              <a:rPr lang="en-US" sz="6600" smtClean="0">
+                <a:solidFill>
+                  <a:srgbClr val="3E4854"/>
+                </a:solidFill>
+              </a:rPr>
+              <a:t>DESIGN</a:t>
             </a:r>
             <a:endParaRPr lang="en-US" sz="6000" dirty="0">
               <a:solidFill>
@@ -1121,7 +1172,7 @@
     </p:spTree>
     <p:extLst>
       <p:ext uri="{BB962C8B-B14F-4D97-AF65-F5344CB8AC3E}">
-        <p14:creationId xmlns:p14="http://schemas.microsoft.com/office/powerpoint/2010/main" val="444410231"/>
+        <p14:creationId xmlns:p14="http://schemas.microsoft.com/office/powerpoint/2010/main" val="1720024448"/>
       </p:ext>
     </p:extLst>
   </p:cSld>
@@ -1169,12 +1220,42 @@
           <a:bodyPr/>
           <a:lstStyle/>
           <a:p>
-            <a:pPr algn="ctr"/>
-            <a:r>
-              <a:rPr lang="en-US" smtClean="0"/>
-              <a:t>ANTHONY REIMCHE</a:t>
-            </a:r>
-            <a:endParaRPr lang="en-US" dirty="0"/>
+            <a:r>
+              <a:rPr lang="en-US" sz="2400" smtClean="0">
+                <a:solidFill>
+                  <a:srgbClr val="3E4854"/>
+                </a:solidFill>
+              </a:rPr>
+              <a:t>THE</a:t>
+            </a:r>
+            <a:r>
+              <a:rPr lang="en-US" sz="6000" smtClean="0">
+                <a:solidFill>
+                  <a:srgbClr val="3E4854"/>
+                </a:solidFill>
+              </a:rPr>
+              <a:t/>
+            </a:r>
+            <a:br>
+              <a:rPr lang="en-US" sz="6000" smtClean="0">
+                <a:solidFill>
+                  <a:srgbClr val="3E4854"/>
+                </a:solidFill>
+              </a:rPr>
+            </a:br>
+            <a:r>
+              <a:rPr lang="en-US" sz="6600" smtClean="0">
+                <a:solidFill>
+                  <a:srgbClr val="3E4854"/>
+                </a:solidFill>
+              </a:rPr>
+              <a:t>PROCESS</a:t>
+            </a:r>
+            <a:endParaRPr lang="en-US" sz="6000" dirty="0">
+              <a:solidFill>
+                <a:srgbClr val="3E4854"/>
+              </a:solidFill>
+            </a:endParaRPr>
           </a:p>
         </p:txBody>
       </p:sp>
@@ -1203,7 +1284,89 @@
     </p:spTree>
     <p:extLst>
       <p:ext uri="{BB962C8B-B14F-4D97-AF65-F5344CB8AC3E}">
-        <p14:creationId xmlns:p14="http://schemas.microsoft.com/office/powerpoint/2010/main" val="2974738609"/>
+        <p14:creationId xmlns:p14="http://schemas.microsoft.com/office/powerpoint/2010/main" val="4099660792"/>
+      </p:ext>
+    </p:extLst>
+  </p:cSld>
+  <p:clrMapOvr>
+    <a:masterClrMapping/>
+  </p:clrMapOvr>
+</p:sld>
+</file>
+
+<file path=ppt/slides/slide6.xml><?xml version="1.0" encoding="utf-8"?>
+<p:sld xmlns:a="http://schemas.openxmlformats.org/drawingml/2006/main" xmlns:r="http://schemas.openxmlformats.org/officeDocument/2006/relationships" xmlns:p="http://schemas.openxmlformats.org/presentationml/2006/main">
+  <p:cSld>
+    <p:bg>
+      <p:bgPr>
+        <a:noFill/>
+        <a:effectLst/>
+      </p:bgPr>
+    </p:bg>
+    <p:spTree>
+      <p:nvGrpSpPr>
+        <p:cNvPr id="1" name=""/>
+        <p:cNvGrpSpPr/>
+        <p:nvPr/>
+      </p:nvGrpSpPr>
+      <p:grpSpPr>
+        <a:xfrm>
+          <a:off x="0" y="0"/>
+          <a:ext cx="0" cy="0"/>
+          <a:chOff x="0" y="0"/>
+          <a:chExt cx="0" cy="0"/>
+        </a:xfrm>
+      </p:grpSpPr>
+      <p:sp>
+        <p:nvSpPr>
+          <p:cNvPr id="2" name="Title 1" hidden="1"/>
+          <p:cNvSpPr>
+            <a:spLocks noGrp="1"/>
+          </p:cNvSpPr>
+          <p:nvPr>
+            <p:ph type="title"/>
+          </p:nvPr>
+        </p:nvSpPr>
+        <p:spPr/>
+        <p:txBody>
+          <a:bodyPr/>
+          <a:lstStyle/>
+          <a:p>
+            <a:pPr algn="ctr"/>
+            <a:r>
+              <a:rPr lang="en-US" smtClean="0"/>
+              <a:t>ANTHONY REIMCHE</a:t>
+            </a:r>
+            <a:endParaRPr lang="en-US" dirty="0"/>
+          </a:p>
+        </p:txBody>
+      </p:sp>
+      <p:pic>
+        <p:nvPicPr>
+          <p:cNvPr id="3" name="Picture 2"/>
+          <p:cNvPicPr/>
+          <p:nvPr/>
+        </p:nvPicPr>
+        <p:blipFill>
+          <a:blip r:embed="rId2"/>
+          <a:stretch>
+            <a:fillRect/>
+          </a:stretch>
+        </p:blipFill>
+        <p:spPr>
+          <a:xfrm>
+            <a:off x="0" y="0"/>
+            <a:ext cx="12192000" cy="6858000"/>
+          </a:xfrm>
+          <a:prstGeom prst="rect">
+            <a:avLst/>
+          </a:prstGeom>
+        </p:spPr>
+      </p:pic>
+    </p:spTree>
+    <p:extLst>
+      <p:ext uri="{BB962C8B-B14F-4D97-AF65-F5344CB8AC3E}">
+        <p14:creationId xmlns:p14="http://schemas.microsoft.com/office/powerpoint/2010/main" val="2836499967"/>
       </p:ext>
     </p:extLst>
   </p:cSld>
